--- a/topic02/talk-3/dataDiscoveryIII.pptx
+++ b/topic02/talk-3/dataDiscoveryIII.pptx
@@ -5,7 +5,7 @@
     <p:sldMasterId id="2147483660" r:id="rId1"/>
   </p:sldMasterIdLst>
   <p:notesMasterIdLst>
-    <p:notesMasterId r:id="rId31"/>
+    <p:notesMasterId r:id="rId26"/>
   </p:notesMasterIdLst>
   <p:sldIdLst>
     <p:sldId id="256" r:id="rId2"/>
@@ -22,21 +22,16 @@
     <p:sldId id="267" r:id="rId13"/>
     <p:sldId id="268" r:id="rId14"/>
     <p:sldId id="269" r:id="rId15"/>
-    <p:sldId id="270" r:id="rId16"/>
-    <p:sldId id="271" r:id="rId17"/>
-    <p:sldId id="272" r:id="rId18"/>
-    <p:sldId id="273" r:id="rId19"/>
-    <p:sldId id="274" r:id="rId20"/>
-    <p:sldId id="275" r:id="rId21"/>
-    <p:sldId id="276" r:id="rId22"/>
-    <p:sldId id="277" r:id="rId23"/>
-    <p:sldId id="278" r:id="rId24"/>
-    <p:sldId id="279" r:id="rId25"/>
-    <p:sldId id="280" r:id="rId26"/>
-    <p:sldId id="281" r:id="rId27"/>
-    <p:sldId id="282" r:id="rId28"/>
-    <p:sldId id="283" r:id="rId29"/>
-    <p:sldId id="284" r:id="rId30"/>
+    <p:sldId id="275" r:id="rId16"/>
+    <p:sldId id="276" r:id="rId17"/>
+    <p:sldId id="277" r:id="rId18"/>
+    <p:sldId id="278" r:id="rId19"/>
+    <p:sldId id="279" r:id="rId20"/>
+    <p:sldId id="280" r:id="rId21"/>
+    <p:sldId id="281" r:id="rId22"/>
+    <p:sldId id="282" r:id="rId23"/>
+    <p:sldId id="283" r:id="rId24"/>
+    <p:sldId id="284" r:id="rId25"/>
   </p:sldIdLst>
   <p:sldSz cx="12192000" cy="6858000"/>
   <p:notesSz cx="6858000" cy="9144000"/>
@@ -137,7 +132,7 @@
   </p:defaultTextStyle>
   <p:extLst>
     <p:ext uri="{EFAFB233-063F-42B5-8137-9DF3F51BA10A}">
-      <p15:sldGuideLst xmlns="" xmlns:p15="http://schemas.microsoft.com/office/powerpoint/2012/main">
+      <p15:sldGuideLst xmlns:p15="http://schemas.microsoft.com/office/powerpoint/2012/main">
         <p15:guide id="1" orient="horz" pos="2160">
           <p15:clr>
             <a:srgbClr val="A4A3A4"/>
@@ -236,7 +231,7 @@
           <a:p>
             <a:fld id="{66F332A7-8841-4108-896E-7A167BF10CA9}" type="datetimeFigureOut">
               <a:rPr lang="en-IE" smtClean="0"/>
-              <a:t>09/02/2015</a:t>
+              <a:t>01/02/2016</a:t>
             </a:fld>
             <a:endParaRPr lang="en-IE"/>
           </a:p>
@@ -729,90 +724,6 @@
 </p:notes>
 </file>
 
-<file path=ppt/notesSlides/notesSlide11.xml><?xml version="1.0" encoding="utf-8"?>
-<p:notes xmlns:a="http://schemas.openxmlformats.org/drawingml/2006/main" xmlns:r="http://schemas.openxmlformats.org/officeDocument/2006/relationships" xmlns:p="http://schemas.openxmlformats.org/presentationml/2006/main">
-  <p:cSld>
-    <p:spTree>
-      <p:nvGrpSpPr>
-        <p:cNvPr id="1" name=""/>
-        <p:cNvGrpSpPr/>
-        <p:nvPr/>
-      </p:nvGrpSpPr>
-      <p:grpSpPr>
-        <a:xfrm>
-          <a:off x="0" y="0"/>
-          <a:ext cx="0" cy="0"/>
-          <a:chOff x="0" y="0"/>
-          <a:chExt cx="0" cy="0"/>
-        </a:xfrm>
-      </p:grpSpPr>
-      <p:sp>
-        <p:nvSpPr>
-          <p:cNvPr id="2" name="Slide Image Placeholder 1"/>
-          <p:cNvSpPr>
-            <a:spLocks noGrp="1" noRot="1" noChangeAspect="1"/>
-          </p:cNvSpPr>
-          <p:nvPr>
-            <p:ph type="sldImg"/>
-          </p:nvPr>
-        </p:nvSpPr>
-        <p:spPr/>
-      </p:sp>
-      <p:sp>
-        <p:nvSpPr>
-          <p:cNvPr id="3" name="Notes Placeholder 2"/>
-          <p:cNvSpPr>
-            <a:spLocks noGrp="1"/>
-          </p:cNvSpPr>
-          <p:nvPr>
-            <p:ph type="body" idx="1"/>
-          </p:nvPr>
-        </p:nvSpPr>
-        <p:spPr/>
-        <p:txBody>
-          <a:bodyPr/>
-          <a:lstStyle/>
-          <a:p>
-            <a:endParaRPr lang="en-GB" dirty="0"/>
-          </a:p>
-        </p:txBody>
-      </p:sp>
-      <p:sp>
-        <p:nvSpPr>
-          <p:cNvPr id="4" name="Slide Number Placeholder 3"/>
-          <p:cNvSpPr>
-            <a:spLocks noGrp="1"/>
-          </p:cNvSpPr>
-          <p:nvPr>
-            <p:ph type="sldNum" sz="quarter" idx="10"/>
-          </p:nvPr>
-        </p:nvSpPr>
-        <p:spPr/>
-        <p:txBody>
-          <a:bodyPr/>
-          <a:lstStyle/>
-          <a:p>
-            <a:fld id="{FAC7228E-FB6A-49D8-BE6B-9A7EBC95761B}" type="slidenum">
-              <a:rPr lang="en-IE" smtClean="0"/>
-              <a:t>15</a:t>
-            </a:fld>
-            <a:endParaRPr lang="en-IE"/>
-          </a:p>
-        </p:txBody>
-      </p:sp>
-    </p:spTree>
-    <p:extLst>
-      <p:ext uri="{BB962C8B-B14F-4D97-AF65-F5344CB8AC3E}">
-        <p14:creationId xmlns:p14="http://schemas.microsoft.com/office/powerpoint/2010/main" val="3915275953"/>
-      </p:ext>
-    </p:extLst>
-  </p:cSld>
-  <p:clrMapOvr>
-    <a:masterClrMapping/>
-  </p:clrMapOvr>
-</p:notes>
-</file>
-
 <file path=ppt/notesSlides/notesSlide2.xml><?xml version="1.0" encoding="utf-8"?>
 <p:notes xmlns:a="http://schemas.openxmlformats.org/drawingml/2006/main" xmlns:r="http://schemas.openxmlformats.org/officeDocument/2006/relationships" xmlns:p="http://schemas.openxmlformats.org/presentationml/2006/main">
   <p:cSld>
@@ -1275,12 +1186,12 @@
               <a:t> arrow gives you </a:t>
             </a:r>
             <a:r>
-              <a:rPr lang="en-GB" baseline="0" dirty="0" err="1" smtClean="0"/>
-              <a:t>toption</a:t>
-            </a:r>
-            <a:r>
               <a:rPr lang="en-GB" baseline="0" dirty="0" smtClean="0"/>
-              <a:t> like all salaries greater than 75,000 choose from number filters, other number filters include top10, above average, below average etc. The top 10 filter can be used to select the top n items.</a:t>
+              <a:t>the option </a:t>
+            </a:r>
+            <a:r>
+              <a:rPr lang="en-GB" baseline="0" dirty="0" smtClean="0"/>
+              <a:t>like all salaries greater than 75,000 choose from number filters, other number filters include top10, above average, below average etc. The top 10 filter can be used to select the top n items.</a:t>
             </a:r>
           </a:p>
           <a:p>
@@ -1805,7 +1716,7 @@
           <a:p>
             <a:fld id="{B1A36C92-6815-4E04-A839-A18A43E73973}" type="datetime1">
               <a:rPr lang="en-IE" smtClean="0"/>
-              <a:t>09/02/2015</a:t>
+              <a:t>01/02/2016</a:t>
             </a:fld>
             <a:endParaRPr lang="en-IE"/>
           </a:p>
@@ -2443,7 +2354,7 @@
           <a:p>
             <a:fld id="{AD7BBA22-4AD5-4A47-8229-D5BFCFB85B50}" type="datetime1">
               <a:rPr lang="en-IE" smtClean="0"/>
-              <a:t>09/02/2015</a:t>
+              <a:t>01/02/2016</a:t>
             </a:fld>
             <a:endParaRPr lang="en-IE"/>
           </a:p>
@@ -2725,7 +2636,7 @@
           <a:p>
             <a:fld id="{C638ED94-3AD5-4747-A64C-8B4C64046AD0}" type="datetime1">
               <a:rPr lang="en-IE" smtClean="0"/>
-              <a:t>09/02/2015</a:t>
+              <a:t>01/02/2016</a:t>
             </a:fld>
             <a:endParaRPr lang="en-IE"/>
           </a:p>
@@ -3090,7 +3001,7 @@
           <a:p>
             <a:fld id="{028045C6-6EE4-4432-AF83-758A41562887}" type="datetime1">
               <a:rPr lang="en-IE" smtClean="0"/>
-              <a:t>09/02/2015</a:t>
+              <a:t>01/02/2016</a:t>
             </a:fld>
             <a:endParaRPr lang="en-IE"/>
           </a:p>
@@ -3276,7 +3187,7 @@
           <a:p>
             <a:fld id="{E3F168EB-D606-41AD-A62C-0885EEB9BCF5}" type="datetime1">
               <a:rPr lang="en-IE" smtClean="0"/>
-              <a:t>09/02/2015</a:t>
+              <a:t>01/02/2016</a:t>
             </a:fld>
             <a:endParaRPr lang="en-IE"/>
           </a:p>
@@ -3926,7 +3837,7 @@
           <a:p>
             <a:fld id="{EBE146A5-986D-474B-953D-0B5984D9A801}" type="datetime1">
               <a:rPr lang="en-IE" smtClean="0"/>
-              <a:t>09/02/2015</a:t>
+              <a:t>01/02/2016</a:t>
             </a:fld>
             <a:endParaRPr lang="en-IE"/>
           </a:p>
@@ -4357,7 +4268,7 @@
           <a:p>
             <a:fld id="{6DC4F09C-C47D-4FFD-A7A0-5216420F70BA}" type="datetime1">
               <a:rPr lang="en-IE" smtClean="0"/>
-              <a:t>09/02/2015</a:t>
+              <a:t>01/02/2016</a:t>
             </a:fld>
             <a:endParaRPr lang="en-IE"/>
           </a:p>
@@ -4475,7 +4386,7 @@
           <a:p>
             <a:fld id="{BE36D0FB-A6B6-457A-9608-988E89BD7D9D}" type="datetime1">
               <a:rPr lang="en-IE" smtClean="0"/>
-              <a:t>09/02/2015</a:t>
+              <a:t>01/02/2016</a:t>
             </a:fld>
             <a:endParaRPr lang="en-IE"/>
           </a:p>
@@ -4661,7 +4572,7 @@
           <a:p>
             <a:fld id="{4BEB3C43-1E16-40B6-B2CB-B431175C5A02}" type="datetime1">
               <a:rPr lang="en-IE" smtClean="0"/>
-              <a:t>09/02/2015</a:t>
+              <a:t>01/02/2016</a:t>
             </a:fld>
             <a:endParaRPr lang="en-IE"/>
           </a:p>
@@ -4932,7 +4843,7 @@
           <a:p>
             <a:fld id="{918D548E-6F62-46D9-B097-B499E30F5628}" type="datetime1">
               <a:rPr lang="en-IE" smtClean="0"/>
-              <a:t>09/02/2015</a:t>
+              <a:t>01/02/2016</a:t>
             </a:fld>
             <a:endParaRPr lang="en-IE"/>
           </a:p>
@@ -5407,7 +5318,7 @@
           <a:p>
             <a:fld id="{13A2AD5F-134A-4604-B849-A2250386F03B}" type="datetime1">
               <a:rPr lang="en-IE" smtClean="0"/>
-              <a:t>09/02/2015</a:t>
+              <a:t>01/02/2016</a:t>
             </a:fld>
             <a:endParaRPr lang="en-IE"/>
           </a:p>
@@ -5972,7 +5883,7 @@
           <a:p>
             <a:fld id="{10841152-6114-48DC-A61E-A8E742144FE0}" type="datetime1">
               <a:rPr lang="en-IE" smtClean="0"/>
-              <a:t>09/02/2015</a:t>
+              <a:t>01/02/2016</a:t>
             </a:fld>
             <a:endParaRPr lang="en-IE"/>
           </a:p>
@@ -7496,7 +7407,15 @@
             </a:r>
             <a:r>
               <a:rPr lang="en-US" dirty="0"/>
-              <a:t>is one of the most important problems in data </a:t>
+              <a:t>is </a:t>
+            </a:r>
+            <a:r>
+              <a:rPr lang="en-US" dirty="0" smtClean="0"/>
+              <a:t>an important </a:t>
+            </a:r>
+            <a:r>
+              <a:rPr lang="en-US" dirty="0"/>
+              <a:t>problems in data </a:t>
             </a:r>
             <a:r>
               <a:rPr lang="en-US" dirty="0" smtClean="0"/>
@@ -7612,13 +7531,20 @@
         </p:nvSpPr>
         <p:spPr/>
         <p:txBody>
-          <a:bodyPr/>
-          <a:lstStyle/>
-          <a:p>
-            <a:r>
-              <a:rPr lang="en-US" dirty="0"/>
-              <a:t>Stacked and Unstacked Formats</a:t>
-            </a:r>
+          <a:bodyPr>
+            <a:noAutofit/>
+          </a:bodyPr>
+          <a:lstStyle/>
+          <a:p>
+            <a:r>
+              <a:rPr lang="en-US" sz="3800" dirty="0"/>
+              <a:t>Relationships Among </a:t>
+            </a:r>
+            <a:r>
+              <a:rPr lang="en-US" sz="3800" dirty="0" smtClean="0"/>
+              <a:t>Numerical Variables</a:t>
+            </a:r>
+            <a:endParaRPr lang="en-US" sz="3800" dirty="0"/>
           </a:p>
         </p:txBody>
       </p:sp>
@@ -7640,138 +7566,29 @@
           <a:lstStyle/>
           <a:p>
             <a:r>
-              <a:rPr lang="en-US" sz="2600" dirty="0" smtClean="0"/>
-              <a:t>There are two possible </a:t>
-            </a:r>
-            <a:r>
-              <a:rPr lang="en-US" sz="2600" b="1" dirty="0" smtClean="0">
-                <a:solidFill>
-                  <a:srgbClr val="04617B"/>
-                </a:solidFill>
-              </a:rPr>
-              <a:t>data formats</a:t>
-            </a:r>
-            <a:r>
-              <a:rPr lang="en-US" sz="2600" dirty="0" smtClean="0"/>
-              <a:t>, stacked and unstacked.</a:t>
-            </a:r>
-            <a:endParaRPr lang="en-US" sz="2600" dirty="0"/>
-          </a:p>
-          <a:p>
-            <a:pPr lvl="1"/>
-            <a:r>
-              <a:rPr lang="en-US" sz="2600" dirty="0"/>
-              <a:t>The data are </a:t>
-            </a:r>
-            <a:r>
-              <a:rPr lang="en-US" sz="2600" b="1" dirty="0">
-                <a:solidFill>
-                  <a:srgbClr val="04617B"/>
-                </a:solidFill>
-              </a:rPr>
-              <a:t>stacked</a:t>
-            </a:r>
-            <a:r>
-              <a:rPr lang="en-US" sz="2600" dirty="0"/>
-              <a:t> if there are two “long” </a:t>
-            </a:r>
-            <a:r>
-              <a:rPr lang="en-US" sz="2600" dirty="0" smtClean="0"/>
-              <a:t>variables, such as </a:t>
-            </a:r>
-            <a:r>
-              <a:rPr lang="en-US" sz="2600" dirty="0"/>
-              <a:t>Gender and Salary. The idea is that the male salaries are </a:t>
-            </a:r>
-            <a:r>
-              <a:rPr lang="en-US" sz="2600" i="1" dirty="0"/>
-              <a:t>stacked</a:t>
-            </a:r>
-            <a:r>
-              <a:rPr lang="en-US" sz="2600" dirty="0"/>
-              <a:t> in with the female salaries. </a:t>
-            </a:r>
-          </a:p>
-          <a:p>
-            <a:pPr lvl="2"/>
-            <a:r>
-              <a:rPr lang="en-US" sz="2600" dirty="0"/>
-              <a:t>This is the format you will see in the vast majority of situations. </a:t>
-            </a:r>
-          </a:p>
-          <a:p>
-            <a:pPr lvl="1"/>
-            <a:r>
-              <a:rPr lang="en-US" sz="2600" dirty="0" smtClean="0"/>
-              <a:t>You will </a:t>
-            </a:r>
-            <a:r>
-              <a:rPr lang="en-US" sz="2600" dirty="0"/>
-              <a:t>occasionally see data in </a:t>
-            </a:r>
-            <a:r>
-              <a:rPr lang="en-US" sz="2600" b="1" dirty="0">
-                <a:solidFill>
-                  <a:srgbClr val="04617B"/>
-                </a:solidFill>
-              </a:rPr>
-              <a:t>unstacked</a:t>
-            </a:r>
-            <a:r>
-              <a:rPr lang="en-US" sz="2600" dirty="0">
-                <a:solidFill>
-                  <a:srgbClr val="04617B"/>
-                </a:solidFill>
-              </a:rPr>
-              <a:t> </a:t>
-            </a:r>
-            <a:r>
-              <a:rPr lang="en-US" sz="2600" dirty="0"/>
-              <a:t>format, when </a:t>
-            </a:r>
-            <a:r>
-              <a:rPr lang="en-US" sz="2600" dirty="0" smtClean="0"/>
-              <a:t>there are two “short” variables, such as </a:t>
-            </a:r>
-            <a:r>
-              <a:rPr lang="en-US" sz="2600" i="1" dirty="0" smtClean="0"/>
-              <a:t>Male </a:t>
-            </a:r>
-            <a:r>
-              <a:rPr lang="en-US" sz="2600" i="1" dirty="0"/>
-              <a:t>Salary </a:t>
-            </a:r>
-            <a:r>
-              <a:rPr lang="en-US" sz="2600" dirty="0"/>
-              <a:t>and </a:t>
-            </a:r>
-            <a:r>
-              <a:rPr lang="en-US" sz="2600" i="1" dirty="0" smtClean="0"/>
-              <a:t>Female </a:t>
-            </a:r>
-            <a:r>
-              <a:rPr lang="en-US" sz="2600" i="1" dirty="0"/>
-              <a:t>Salary</a:t>
-            </a:r>
-            <a:r>
-              <a:rPr lang="en-US" sz="2600" dirty="0"/>
+              <a:rPr lang="en-US" dirty="0"/>
+              <a:t>To study relationships among numerical variables, a new type of chart, called a scatterplot, and two new summary measures, correlation and covariance, are used.</a:t>
+            </a:r>
+          </a:p>
+          <a:p>
+            <a:r>
+              <a:rPr lang="en-US" dirty="0"/>
+              <a:t>These measures </a:t>
+            </a:r>
+            <a:r>
+              <a:rPr lang="en-US" dirty="0"/>
+              <a:t>can be applied to any variables that are displayed numerically.</a:t>
+            </a:r>
+          </a:p>
+          <a:p>
+            <a:r>
+              <a:rPr lang="en-US" dirty="0"/>
+              <a:t>However, they are appropriate only for truly numerical variables, not for categorical variables that have been coded numerically</a:t>
+            </a:r>
+            <a:r>
+              <a:rPr lang="en-US" dirty="0"/>
               <a:t>.</a:t>
             </a:r>
-          </a:p>
-          <a:p>
-            <a:r>
-              <a:rPr lang="en-US" sz="2600" dirty="0" smtClean="0"/>
-              <a:t>Most tools are </a:t>
-            </a:r>
-            <a:r>
-              <a:rPr lang="en-US" sz="2600" dirty="0"/>
-              <a:t>capable of dealing with either </a:t>
-            </a:r>
-            <a:r>
-              <a:rPr lang="en-US" sz="2600" dirty="0" smtClean="0"/>
-              <a:t>format and can convert from stacked to unstacked or vice versa.</a:t>
-            </a:r>
-            <a:endParaRPr lang="en-US" sz="2600" dirty="0"/>
           </a:p>
         </p:txBody>
       </p:sp>
@@ -7801,7 +7618,7 @@
     </p:spTree>
     <p:extLst>
       <p:ext uri="{BB962C8B-B14F-4D97-AF65-F5344CB8AC3E}">
-        <p14:creationId xmlns:p14="http://schemas.microsoft.com/office/powerpoint/2010/main" val="4245871881"/>
+        <p14:creationId xmlns:p14="http://schemas.microsoft.com/office/powerpoint/2010/main" val="438976865"/>
       </p:ext>
     </p:extLst>
   </p:cSld>
@@ -7851,9 +7668,10 @@
           <a:lstStyle/>
           <a:p>
             <a:r>
-              <a:rPr lang="en-US" dirty="0"/>
-              <a:t>Stacked and Unstacked Data</a:t>
-            </a:r>
+              <a:rPr lang="en-US" dirty="0" smtClean="0"/>
+              <a:t>Scatterplots</a:t>
+            </a:r>
+            <a:endParaRPr lang="en-US" dirty="0"/>
           </a:p>
         </p:txBody>
       </p:sp>
@@ -7872,68 +7690,133 @@
           <a:bodyPr/>
           <a:lstStyle/>
           <a:p>
-            <a:pPr marL="0" indent="0">
-              <a:buNone/>
-            </a:pPr>
-            <a:r>
-              <a:rPr lang="en-US" dirty="0" smtClean="0"/>
-              <a:t>	Stacked Data		Unstacked Data</a:t>
-            </a:r>
+            <a:r>
+              <a:rPr lang="en-US" dirty="0" smtClean="0">
+                <a:solidFill>
+                  <a:srgbClr val="000000"/>
+                </a:solidFill>
+              </a:rPr>
+              <a:t>A </a:t>
+            </a:r>
+            <a:r>
+              <a:rPr lang="en-US" b="1" dirty="0">
+                <a:solidFill>
+                  <a:schemeClr val="tx2"/>
+                </a:solidFill>
+              </a:rPr>
+              <a:t>scatterplot</a:t>
+            </a:r>
+            <a:r>
+              <a:rPr lang="en-US" dirty="0">
+                <a:solidFill>
+                  <a:srgbClr val="000000"/>
+                </a:solidFill>
+              </a:rPr>
+              <a:t> is a scatter of points, where each point denotes the values of an observation for two selected variables</a:t>
+            </a:r>
+            <a:r>
+              <a:rPr lang="en-US" dirty="0" smtClean="0">
+                <a:solidFill>
+                  <a:srgbClr val="000000"/>
+                </a:solidFill>
+              </a:rPr>
+              <a:t>.</a:t>
+            </a:r>
+          </a:p>
+          <a:p>
+            <a:pPr lvl="1"/>
+            <a:r>
+              <a:rPr lang="en-US" dirty="0" smtClean="0">
+                <a:solidFill>
+                  <a:srgbClr val="000000"/>
+                </a:solidFill>
+              </a:rPr>
+              <a:t>It is a graphical method for detecting relationships between two numerical variables.</a:t>
+            </a:r>
+          </a:p>
+          <a:p>
+            <a:pPr lvl="1"/>
+            <a:r>
+              <a:rPr lang="en-US" dirty="0" smtClean="0">
+                <a:solidFill>
+                  <a:srgbClr val="000000"/>
+                </a:solidFill>
+              </a:rPr>
+              <a:t>The two variables are often labeled generically as </a:t>
+            </a:r>
+            <a:r>
+              <a:rPr lang="en-US" i="1" dirty="0" smtClean="0">
+                <a:solidFill>
+                  <a:srgbClr val="000000"/>
+                </a:solidFill>
+              </a:rPr>
+              <a:t>X </a:t>
+            </a:r>
+            <a:r>
+              <a:rPr lang="en-US" dirty="0" smtClean="0">
+                <a:solidFill>
+                  <a:srgbClr val="000000"/>
+                </a:solidFill>
+              </a:rPr>
+              <a:t>and </a:t>
+            </a:r>
+            <a:r>
+              <a:rPr lang="en-US" i="1" dirty="0" smtClean="0">
+                <a:solidFill>
+                  <a:srgbClr val="000000"/>
+                </a:solidFill>
+              </a:rPr>
+              <a:t>Y</a:t>
+            </a:r>
+            <a:r>
+              <a:rPr lang="en-US" dirty="0" smtClean="0">
+                <a:solidFill>
+                  <a:srgbClr val="000000"/>
+                </a:solidFill>
+              </a:rPr>
+              <a:t>, so a scatterplot is sometimes called an </a:t>
+            </a:r>
+            <a:r>
+              <a:rPr lang="en-US" b="1" dirty="0" smtClean="0">
+                <a:solidFill>
+                  <a:srgbClr val="04617B"/>
+                </a:solidFill>
+              </a:rPr>
+              <a:t>X-Y chart</a:t>
+            </a:r>
+            <a:r>
+              <a:rPr lang="en-US" dirty="0" smtClean="0">
+                <a:solidFill>
+                  <a:srgbClr val="000000"/>
+                </a:solidFill>
+              </a:rPr>
+              <a:t>.</a:t>
+            </a:r>
+          </a:p>
+          <a:p>
+            <a:pPr lvl="1"/>
+            <a:r>
+              <a:rPr lang="en-US" dirty="0" smtClean="0">
+                <a:solidFill>
+                  <a:srgbClr val="000000"/>
+                </a:solidFill>
+              </a:rPr>
+              <a:t>The purpose of a scatterplot is to make a relationship (or the lack of it) apparent.</a:t>
+            </a:r>
+            <a:endParaRPr lang="en-US" dirty="0">
+              <a:solidFill>
+                <a:srgbClr val="000000"/>
+              </a:solidFill>
+            </a:endParaRPr>
+          </a:p>
+          <a:p>
             <a:endParaRPr lang="en-US" dirty="0"/>
           </a:p>
         </p:txBody>
       </p:sp>
-      <p:pic>
-        <p:nvPicPr>
-          <p:cNvPr id="4" name="Picture 3"/>
-          <p:cNvPicPr>
-            <a:picLocks noChangeAspect="1"/>
-          </p:cNvPicPr>
-          <p:nvPr/>
-        </p:nvPicPr>
-        <p:blipFill>
-          <a:blip r:embed="rId2" cstate="print"/>
-          <a:stretch>
-            <a:fillRect/>
-          </a:stretch>
-        </p:blipFill>
-        <p:spPr>
-          <a:xfrm>
-            <a:off x="2540000" y="2209800"/>
-            <a:ext cx="1882685" cy="4254500"/>
-          </a:xfrm>
-          <a:prstGeom prst="rect">
-            <a:avLst/>
-          </a:prstGeom>
-        </p:spPr>
-      </p:pic>
-      <p:pic>
-        <p:nvPicPr>
-          <p:cNvPr id="5" name="Picture 4"/>
-          <p:cNvPicPr>
-            <a:picLocks noChangeAspect="1"/>
-          </p:cNvPicPr>
-          <p:nvPr/>
-        </p:nvPicPr>
-        <p:blipFill>
-          <a:blip r:embed="rId3" cstate="print"/>
-          <a:stretch>
-            <a:fillRect/>
-          </a:stretch>
-        </p:blipFill>
-        <p:spPr>
-          <a:xfrm>
-            <a:off x="6807200" y="2362200"/>
-            <a:ext cx="3352800" cy="3556000"/>
-          </a:xfrm>
-          <a:prstGeom prst="rect">
-            <a:avLst/>
-          </a:prstGeom>
-        </p:spPr>
-      </p:pic>
-      <p:sp>
-        <p:nvSpPr>
-          <p:cNvPr id="6" name="Slide Number Placeholder 5"/>
+      <p:sp>
+        <p:nvSpPr>
+          <p:cNvPr id="4" name="Slide Number Placeholder 3"/>
           <p:cNvSpPr>
             <a:spLocks noGrp="1"/>
           </p:cNvSpPr>
@@ -7957,7 +7840,7 @@
     </p:spTree>
     <p:extLst>
       <p:ext uri="{BB962C8B-B14F-4D97-AF65-F5344CB8AC3E}">
-        <p14:creationId xmlns:p14="http://schemas.microsoft.com/office/powerpoint/2010/main" val="511945640"/>
+        <p14:creationId xmlns:p14="http://schemas.microsoft.com/office/powerpoint/2010/main" val="2758691757"/>
       </p:ext>
     </p:extLst>
   </p:cSld>
@@ -8003,1201 +7886,6 @@
         </p:nvSpPr>
         <p:spPr/>
         <p:txBody>
-          <a:bodyPr vert="horz" lIns="91440" tIns="45720" rIns="91440" bIns="45720" rtlCol="0" anchor="ctr">
-            <a:normAutofit/>
-          </a:bodyPr>
-          <a:lstStyle/>
-          <a:p>
-            <a:r>
-              <a:rPr lang="en-US" dirty="0" smtClean="0">
-                <a:solidFill>
-                  <a:schemeClr val="accent1">
-                    <a:lumMod val="75000"/>
-                  </a:schemeClr>
-                </a:solidFill>
-              </a:rPr>
-              <a:t>Baseball </a:t>
-            </a:r>
-            <a:r>
-              <a:rPr lang="en-US" dirty="0">
-                <a:solidFill>
-                  <a:schemeClr val="accent1">
-                    <a:lumMod val="75000"/>
-                  </a:schemeClr>
-                </a:solidFill>
-              </a:rPr>
-              <a:t>Salaries 2011 </a:t>
-            </a:r>
-            <a:r>
-              <a:rPr lang="en-US" dirty="0" smtClean="0">
-                <a:solidFill>
-                  <a:schemeClr val="accent1">
-                    <a:lumMod val="75000"/>
-                  </a:schemeClr>
-                </a:solidFill>
-              </a:rPr>
-              <a:t>Extra.xlsx</a:t>
-            </a:r>
-            <a:endParaRPr lang="en-US" dirty="0">
-              <a:solidFill>
-                <a:schemeClr val="accent1">
-                  <a:lumMod val="75000"/>
-                </a:schemeClr>
-              </a:solidFill>
-            </a:endParaRPr>
-          </a:p>
-        </p:txBody>
-      </p:sp>
-      <p:sp>
-        <p:nvSpPr>
-          <p:cNvPr id="3" name="Content Placeholder 2"/>
-          <p:cNvSpPr>
-            <a:spLocks noGrp="1"/>
-          </p:cNvSpPr>
-          <p:nvPr>
-            <p:ph sz="quarter" idx="1"/>
-          </p:nvPr>
-        </p:nvSpPr>
-        <p:spPr>
-          <a:xfrm>
-            <a:off x="816864" y="1600200"/>
-            <a:ext cx="10871200" cy="2606040"/>
-          </a:xfrm>
-        </p:spPr>
-        <p:txBody>
-          <a:bodyPr>
-            <a:noAutofit/>
-          </a:bodyPr>
-          <a:lstStyle/>
-          <a:p>
-            <a:r>
-              <a:rPr lang="en-US" sz="2200" b="1" dirty="0"/>
-              <a:t>Objective</a:t>
-            </a:r>
-            <a:r>
-              <a:rPr lang="en-US" sz="2200" dirty="0"/>
-              <a:t>: To learn methods in </a:t>
-            </a:r>
-            <a:r>
-              <a:rPr lang="en-US" sz="2200" dirty="0" err="1" smtClean="0"/>
-              <a:t>PhStat</a:t>
-            </a:r>
-            <a:r>
-              <a:rPr lang="en-US" sz="2200" dirty="0" smtClean="0"/>
-              <a:t> tool for </a:t>
-            </a:r>
-            <a:r>
-              <a:rPr lang="en-US" sz="2200" dirty="0"/>
-              <a:t>breaking down baseball salaries by various categorical variables.</a:t>
-            </a:r>
-          </a:p>
-          <a:p>
-            <a:r>
-              <a:rPr lang="en-US" sz="2200" b="1" dirty="0"/>
-              <a:t>Solution</a:t>
-            </a:r>
-            <a:r>
-              <a:rPr lang="en-US" sz="2200" dirty="0"/>
-              <a:t>: </a:t>
-            </a:r>
-            <a:r>
-              <a:rPr lang="en-US" sz="2200" dirty="0" smtClean="0"/>
-              <a:t>Data set contains the same 2011 baseball data examined previously, as well as several extra categorical variables.</a:t>
-            </a:r>
-          </a:p>
-          <a:p>
-            <a:r>
-              <a:rPr lang="en-US" sz="2200" dirty="0" smtClean="0"/>
-              <a:t>First unstack the position and salary columns using </a:t>
-            </a:r>
-            <a:r>
-              <a:rPr lang="en-US" sz="2200" dirty="0" err="1" smtClean="0"/>
-              <a:t>PhStat</a:t>
-            </a:r>
-            <a:r>
-              <a:rPr lang="en-US" sz="2200" dirty="0" smtClean="0"/>
-              <a:t>. Then create summary measures by selecting multi groups unstacked  </a:t>
-            </a:r>
-          </a:p>
-        </p:txBody>
-      </p:sp>
-      <p:pic>
-        <p:nvPicPr>
-          <p:cNvPr id="1026" name="Picture 2"/>
-          <p:cNvPicPr>
-            <a:picLocks noChangeAspect="1" noChangeArrowheads="1"/>
-          </p:cNvPicPr>
-          <p:nvPr/>
-        </p:nvPicPr>
-        <p:blipFill>
-          <a:blip r:embed="rId2">
-            <a:extLst>
-              <a:ext uri="{28A0092B-C50C-407E-A947-70E740481C1C}">
-                <a14:useLocalDpi xmlns:a14="http://schemas.microsoft.com/office/drawing/2010/main" val="0"/>
-              </a:ext>
-            </a:extLst>
-          </a:blip>
-          <a:srcRect/>
-          <a:stretch>
-            <a:fillRect/>
-          </a:stretch>
-        </p:blipFill>
-        <p:spPr bwMode="auto">
-          <a:xfrm>
-            <a:off x="223429" y="3816441"/>
-            <a:ext cx="9756594" cy="2558986"/>
-          </a:xfrm>
-          <a:prstGeom prst="rect">
-            <a:avLst/>
-          </a:prstGeom>
-          <a:noFill/>
-          <a:ln>
-            <a:noFill/>
-          </a:ln>
-          <a:extLst>
-            <a:ext uri="{909E8E84-426E-40DD-AFC4-6F175D3DCCD1}">
-              <a14:hiddenFill xmlns:a14="http://schemas.microsoft.com/office/drawing/2010/main">
-                <a:solidFill>
-                  <a:schemeClr val="accent1"/>
-                </a:solidFill>
-              </a14:hiddenFill>
-            </a:ext>
-            <a:ext uri="{91240B29-F687-4F45-9708-019B960494DF}">
-              <a14:hiddenLine xmlns:a14="http://schemas.microsoft.com/office/drawing/2010/main" w="9525">
-                <a:solidFill>
-                  <a:schemeClr val="tx1"/>
-                </a:solidFill>
-                <a:miter lim="800000"/>
-                <a:headEnd/>
-                <a:tailEnd/>
-              </a14:hiddenLine>
-            </a:ext>
-          </a:extLst>
-        </p:spPr>
-      </p:pic>
-    </p:spTree>
-    <p:extLst>
-      <p:ext uri="{BB962C8B-B14F-4D97-AF65-F5344CB8AC3E}">
-        <p14:creationId xmlns:p14="http://schemas.microsoft.com/office/powerpoint/2010/main" val="185548754"/>
-      </p:ext>
-    </p:extLst>
-  </p:cSld>
-  <p:clrMapOvr>
-    <a:masterClrMapping/>
-  </p:clrMapOvr>
-  <p:timing>
-    <p:tnLst>
-      <p:par>
-        <p:cTn id="1" dur="indefinite" restart="never" nodeType="tmRoot"/>
-      </p:par>
-    </p:tnLst>
-  </p:timing>
-</p:sld>
-</file>
-
-<file path=ppt/slides/slide18.xml><?xml version="1.0" encoding="utf-8"?>
-<p:sld xmlns:a="http://schemas.openxmlformats.org/drawingml/2006/main" xmlns:r="http://schemas.openxmlformats.org/officeDocument/2006/relationships" xmlns:p="http://schemas.openxmlformats.org/presentationml/2006/main">
-  <p:cSld>
-    <p:spTree>
-      <p:nvGrpSpPr>
-        <p:cNvPr id="1" name=""/>
-        <p:cNvGrpSpPr/>
-        <p:nvPr/>
-      </p:nvGrpSpPr>
-      <p:grpSpPr>
-        <a:xfrm>
-          <a:off x="0" y="0"/>
-          <a:ext cx="0" cy="0"/>
-          <a:chOff x="0" y="0"/>
-          <a:chExt cx="0" cy="0"/>
-        </a:xfrm>
-      </p:grpSpPr>
-      <p:sp>
-        <p:nvSpPr>
-          <p:cNvPr id="2" name="Title 1"/>
-          <p:cNvSpPr>
-            <a:spLocks noGrp="1"/>
-          </p:cNvSpPr>
-          <p:nvPr>
-            <p:ph type="title"/>
-          </p:nvPr>
-        </p:nvSpPr>
-        <p:spPr/>
-        <p:txBody>
-          <a:bodyPr vert="horz" lIns="91440" tIns="45720" rIns="91440" bIns="45720" rtlCol="0" anchor="ctr">
-            <a:normAutofit/>
-          </a:bodyPr>
-          <a:lstStyle/>
-          <a:p>
-            <a:r>
-              <a:rPr lang="en-US" dirty="0" smtClean="0">
-                <a:solidFill>
-                  <a:schemeClr val="accent1">
-                    <a:lumMod val="75000"/>
-                  </a:schemeClr>
-                </a:solidFill>
-              </a:rPr>
-              <a:t>Baseball </a:t>
-            </a:r>
-            <a:r>
-              <a:rPr lang="en-US" dirty="0">
-                <a:solidFill>
-                  <a:schemeClr val="accent1">
-                    <a:lumMod val="75000"/>
-                  </a:schemeClr>
-                </a:solidFill>
-              </a:rPr>
-              <a:t>Salaries 2011 </a:t>
-            </a:r>
-            <a:r>
-              <a:rPr lang="en-US" dirty="0" smtClean="0">
-                <a:solidFill>
-                  <a:schemeClr val="accent1">
-                    <a:lumMod val="75000"/>
-                  </a:schemeClr>
-                </a:solidFill>
-              </a:rPr>
-              <a:t>Extra.xlsx</a:t>
-            </a:r>
-            <a:endParaRPr lang="en-US" dirty="0">
-              <a:solidFill>
-                <a:schemeClr val="accent1">
-                  <a:lumMod val="75000"/>
-                </a:schemeClr>
-              </a:solidFill>
-            </a:endParaRPr>
-          </a:p>
-        </p:txBody>
-      </p:sp>
-      <p:sp>
-        <p:nvSpPr>
-          <p:cNvPr id="3" name="Content Placeholder 2"/>
-          <p:cNvSpPr>
-            <a:spLocks noGrp="1"/>
-          </p:cNvSpPr>
-          <p:nvPr>
-            <p:ph sz="quarter" idx="1"/>
-          </p:nvPr>
-        </p:nvSpPr>
-        <p:spPr>
-          <a:xfrm>
-            <a:off x="245364" y="1739900"/>
-            <a:ext cx="2928695" cy="4559300"/>
-          </a:xfrm>
-        </p:spPr>
-        <p:txBody>
-          <a:bodyPr>
-            <a:noAutofit/>
-          </a:bodyPr>
-          <a:lstStyle/>
-          <a:p>
-            <a:r>
-              <a:rPr lang="en-US" sz="2200" dirty="0" smtClean="0"/>
-              <a:t>Create side-by-side boxplots, by selecting boxplots from the </a:t>
-            </a:r>
-            <a:r>
-              <a:rPr lang="en-US" sz="2200" dirty="0" err="1" smtClean="0"/>
-              <a:t>phstat</a:t>
-            </a:r>
-            <a:r>
-              <a:rPr lang="en-US" sz="2200" dirty="0" smtClean="0"/>
-              <a:t> descriptive statistics option.</a:t>
-            </a:r>
-          </a:p>
-          <a:p>
-            <a:r>
-              <a:rPr lang="en-US" sz="2200" dirty="0" smtClean="0"/>
-              <a:t>Select the data range, </a:t>
-            </a:r>
-            <a:r>
-              <a:rPr lang="en-US" sz="2200" dirty="0" err="1" smtClean="0"/>
-              <a:t>phstat</a:t>
-            </a:r>
-            <a:r>
-              <a:rPr lang="en-US" sz="2200" dirty="0" smtClean="0"/>
-              <a:t> will only show the first eight categories.</a:t>
-            </a:r>
-          </a:p>
-        </p:txBody>
-      </p:sp>
-      <p:pic>
-        <p:nvPicPr>
-          <p:cNvPr id="2050" name="Picture 2"/>
-          <p:cNvPicPr>
-            <a:picLocks noChangeAspect="1" noChangeArrowheads="1"/>
-          </p:cNvPicPr>
-          <p:nvPr/>
-        </p:nvPicPr>
-        <p:blipFill>
-          <a:blip r:embed="rId2">
-            <a:extLst>
-              <a:ext uri="{28A0092B-C50C-407E-A947-70E740481C1C}">
-                <a14:useLocalDpi xmlns:a14="http://schemas.microsoft.com/office/drawing/2010/main" val="0"/>
-              </a:ext>
-            </a:extLst>
-          </a:blip>
-          <a:srcRect/>
-          <a:stretch>
-            <a:fillRect/>
-          </a:stretch>
-        </p:blipFill>
-        <p:spPr bwMode="auto">
-          <a:xfrm>
-            <a:off x="3351859" y="2108200"/>
-            <a:ext cx="7636815" cy="3643313"/>
-          </a:xfrm>
-          <a:prstGeom prst="rect">
-            <a:avLst/>
-          </a:prstGeom>
-          <a:noFill/>
-          <a:ln>
-            <a:noFill/>
-          </a:ln>
-          <a:extLst>
-            <a:ext uri="{909E8E84-426E-40DD-AFC4-6F175D3DCCD1}">
-              <a14:hiddenFill xmlns:a14="http://schemas.microsoft.com/office/drawing/2010/main">
-                <a:solidFill>
-                  <a:schemeClr val="accent1"/>
-                </a:solidFill>
-              </a14:hiddenFill>
-            </a:ext>
-            <a:ext uri="{91240B29-F687-4F45-9708-019B960494DF}">
-              <a14:hiddenLine xmlns:a14="http://schemas.microsoft.com/office/drawing/2010/main" w="9525">
-                <a:solidFill>
-                  <a:schemeClr val="tx1"/>
-                </a:solidFill>
-                <a:miter lim="800000"/>
-                <a:headEnd/>
-                <a:tailEnd/>
-              </a14:hiddenLine>
-            </a:ext>
-          </a:extLst>
-        </p:spPr>
-      </p:pic>
-    </p:spTree>
-    <p:extLst>
-      <p:ext uri="{BB962C8B-B14F-4D97-AF65-F5344CB8AC3E}">
-        <p14:creationId xmlns:p14="http://schemas.microsoft.com/office/powerpoint/2010/main" val="1101607304"/>
-      </p:ext>
-    </p:extLst>
-  </p:cSld>
-  <p:clrMapOvr>
-    <a:masterClrMapping/>
-  </p:clrMapOvr>
-  <p:timing>
-    <p:tnLst>
-      <p:par>
-        <p:cTn id="1" dur="indefinite" restart="never" nodeType="tmRoot"/>
-      </p:par>
-    </p:tnLst>
-  </p:timing>
-</p:sld>
-</file>
-
-<file path=ppt/slides/slide19.xml><?xml version="1.0" encoding="utf-8"?>
-<p:sld xmlns:a="http://schemas.openxmlformats.org/drawingml/2006/main" xmlns:r="http://schemas.openxmlformats.org/officeDocument/2006/relationships" xmlns:p="http://schemas.openxmlformats.org/presentationml/2006/main">
-  <p:cSld>
-    <p:spTree>
-      <p:nvGrpSpPr>
-        <p:cNvPr id="1" name=""/>
-        <p:cNvGrpSpPr/>
-        <p:nvPr/>
-      </p:nvGrpSpPr>
-      <p:grpSpPr>
-        <a:xfrm>
-          <a:off x="0" y="0"/>
-          <a:ext cx="0" cy="0"/>
-          <a:chOff x="0" y="0"/>
-          <a:chExt cx="0" cy="0"/>
-        </a:xfrm>
-      </p:grpSpPr>
-      <p:sp>
-        <p:nvSpPr>
-          <p:cNvPr id="3" name="Content Placeholder 2"/>
-          <p:cNvSpPr>
-            <a:spLocks noGrp="1"/>
-          </p:cNvSpPr>
-          <p:nvPr>
-            <p:ph sz="quarter" idx="1"/>
-          </p:nvPr>
-        </p:nvSpPr>
-        <p:spPr/>
-        <p:txBody>
-          <a:bodyPr/>
-          <a:lstStyle/>
-          <a:p>
-            <a:r>
-              <a:rPr lang="en-GB" dirty="0" smtClean="0"/>
-              <a:t>You can carry out further analysis by unstacking the salary and playoff variables or the salary and Yankees variables. Then present the box plots comparing those variables.</a:t>
-            </a:r>
-          </a:p>
-          <a:p>
-            <a:r>
-              <a:rPr lang="en-GB" dirty="0" smtClean="0"/>
-              <a:t>The Yankee payroll is much larger than the payrolls for the rest of the teams.</a:t>
-            </a:r>
-          </a:p>
-          <a:p>
-            <a:r>
-              <a:rPr lang="en-GB" dirty="0" smtClean="0"/>
-              <a:t>Aside from many outliers, the playoff teams of 2011 tend to have slightly larger payrolls than the non playoff teams.</a:t>
-            </a:r>
-            <a:endParaRPr lang="en-GB" dirty="0"/>
-          </a:p>
-        </p:txBody>
-      </p:sp>
-      <p:sp>
-        <p:nvSpPr>
-          <p:cNvPr id="4" name="Title 1"/>
-          <p:cNvSpPr>
-            <a:spLocks noGrp="1"/>
-          </p:cNvSpPr>
-          <p:nvPr>
-            <p:ph type="title"/>
-          </p:nvPr>
-        </p:nvSpPr>
-        <p:spPr/>
-        <p:txBody>
-          <a:bodyPr vert="horz" lIns="91440" tIns="45720" rIns="91440" bIns="45720" rtlCol="0" anchor="ctr">
-            <a:normAutofit/>
-          </a:bodyPr>
-          <a:lstStyle/>
-          <a:p>
-            <a:r>
-              <a:rPr lang="en-US" dirty="0" smtClean="0">
-                <a:solidFill>
-                  <a:schemeClr val="accent1">
-                    <a:lumMod val="75000"/>
-                  </a:schemeClr>
-                </a:solidFill>
-              </a:rPr>
-              <a:t>Baseball </a:t>
-            </a:r>
-            <a:r>
-              <a:rPr lang="en-US" dirty="0">
-                <a:solidFill>
-                  <a:schemeClr val="accent1">
-                    <a:lumMod val="75000"/>
-                  </a:schemeClr>
-                </a:solidFill>
-              </a:rPr>
-              <a:t>Salaries 2011 </a:t>
-            </a:r>
-            <a:r>
-              <a:rPr lang="en-US" dirty="0" smtClean="0">
-                <a:solidFill>
-                  <a:schemeClr val="accent1">
-                    <a:lumMod val="75000"/>
-                  </a:schemeClr>
-                </a:solidFill>
-              </a:rPr>
-              <a:t>Extra.xlsx</a:t>
-            </a:r>
-            <a:endParaRPr lang="en-US" dirty="0">
-              <a:solidFill>
-                <a:schemeClr val="accent1">
-                  <a:lumMod val="75000"/>
-                </a:schemeClr>
-              </a:solidFill>
-            </a:endParaRPr>
-          </a:p>
-        </p:txBody>
-      </p:sp>
-    </p:spTree>
-    <p:extLst>
-      <p:ext uri="{BB962C8B-B14F-4D97-AF65-F5344CB8AC3E}">
-        <p14:creationId xmlns:p14="http://schemas.microsoft.com/office/powerpoint/2010/main" val="906922532"/>
-      </p:ext>
-    </p:extLst>
-  </p:cSld>
-  <p:clrMapOvr>
-    <a:masterClrMapping/>
-  </p:clrMapOvr>
-</p:sld>
-</file>
-
-<file path=ppt/slides/slide2.xml><?xml version="1.0" encoding="utf-8"?>
-<p:sld xmlns:a="http://schemas.openxmlformats.org/drawingml/2006/main" xmlns:r="http://schemas.openxmlformats.org/officeDocument/2006/relationships" xmlns:p="http://schemas.openxmlformats.org/presentationml/2006/main">
-  <p:cSld>
-    <p:spTree>
-      <p:nvGrpSpPr>
-        <p:cNvPr id="1" name=""/>
-        <p:cNvGrpSpPr/>
-        <p:nvPr/>
-      </p:nvGrpSpPr>
-      <p:grpSpPr>
-        <a:xfrm>
-          <a:off x="0" y="0"/>
-          <a:ext cx="0" cy="0"/>
-          <a:chOff x="0" y="0"/>
-          <a:chExt cx="0" cy="0"/>
-        </a:xfrm>
-      </p:grpSpPr>
-      <p:sp>
-        <p:nvSpPr>
-          <p:cNvPr id="2" name="Title 1"/>
-          <p:cNvSpPr>
-            <a:spLocks noGrp="1"/>
-          </p:cNvSpPr>
-          <p:nvPr>
-            <p:ph type="title"/>
-          </p:nvPr>
-        </p:nvSpPr>
-        <p:spPr/>
-        <p:txBody>
-          <a:bodyPr/>
-          <a:lstStyle/>
-          <a:p>
-            <a:r>
-              <a:rPr lang="en-US" dirty="0" smtClean="0"/>
-              <a:t>Outliers</a:t>
-            </a:r>
-            <a:endParaRPr lang="en-US" dirty="0"/>
-          </a:p>
-        </p:txBody>
-      </p:sp>
-      <p:sp>
-        <p:nvSpPr>
-          <p:cNvPr id="3" name="Content Placeholder 2"/>
-          <p:cNvSpPr>
-            <a:spLocks noGrp="1"/>
-          </p:cNvSpPr>
-          <p:nvPr>
-            <p:ph sz="quarter" idx="1"/>
-          </p:nvPr>
-        </p:nvSpPr>
-        <p:spPr/>
-        <p:txBody>
-          <a:bodyPr>
-            <a:normAutofit/>
-          </a:bodyPr>
-          <a:lstStyle/>
-          <a:p>
-            <a:r>
-              <a:rPr lang="en-US" sz="2800" dirty="0">
-                <a:solidFill>
-                  <a:srgbClr val="000000"/>
-                </a:solidFill>
-              </a:rPr>
-              <a:t>An </a:t>
-            </a:r>
-            <a:r>
-              <a:rPr lang="en-US" sz="2800" b="1" dirty="0">
-                <a:solidFill>
-                  <a:srgbClr val="04617B"/>
-                </a:solidFill>
-              </a:rPr>
-              <a:t>outlier</a:t>
-            </a:r>
-            <a:r>
-              <a:rPr lang="en-US" sz="2800" dirty="0">
-                <a:solidFill>
-                  <a:srgbClr val="000000"/>
-                </a:solidFill>
-              </a:rPr>
-              <a:t> is </a:t>
-            </a:r>
-            <a:r>
-              <a:rPr lang="en-US" sz="2800" dirty="0" smtClean="0">
-                <a:solidFill>
-                  <a:srgbClr val="000000"/>
-                </a:solidFill>
-              </a:rPr>
-              <a:t>a </a:t>
-            </a:r>
-            <a:r>
-              <a:rPr lang="en-US" sz="2800" dirty="0">
-                <a:solidFill>
-                  <a:srgbClr val="000000"/>
-                </a:solidFill>
-              </a:rPr>
-              <a:t>value or an entire </a:t>
-            </a:r>
-            <a:r>
-              <a:rPr lang="en-US" sz="2800" dirty="0" smtClean="0">
-                <a:solidFill>
-                  <a:srgbClr val="000000"/>
-                </a:solidFill>
-              </a:rPr>
-              <a:t>observation (row) </a:t>
-            </a:r>
-            <a:r>
-              <a:rPr lang="en-US" sz="2800" dirty="0">
-                <a:solidFill>
-                  <a:srgbClr val="000000"/>
-                </a:solidFill>
-              </a:rPr>
-              <a:t>that lies well outside of the norm.</a:t>
-            </a:r>
-          </a:p>
-          <a:p>
-            <a:pPr lvl="1"/>
-            <a:r>
-              <a:rPr lang="en-US" sz="2800" dirty="0" smtClean="0">
-                <a:solidFill>
-                  <a:srgbClr val="000000"/>
-                </a:solidFill>
-              </a:rPr>
-              <a:t>Some statisticians define </a:t>
-            </a:r>
-            <a:r>
-              <a:rPr lang="en-US" sz="2800" dirty="0">
-                <a:solidFill>
-                  <a:srgbClr val="000000"/>
-                </a:solidFill>
-              </a:rPr>
-              <a:t>an outlier as any value more than three standard deviations from the mean, but this is only a rule of thumb.</a:t>
-            </a:r>
-          </a:p>
-          <a:p>
-            <a:r>
-              <a:rPr lang="en-US" sz="2800" dirty="0" smtClean="0">
-                <a:solidFill>
-                  <a:srgbClr val="000000"/>
-                </a:solidFill>
-              </a:rPr>
-              <a:t>Even if values are not unusual by themselves, there </a:t>
-            </a:r>
-            <a:r>
-              <a:rPr lang="en-US" sz="2800" dirty="0">
-                <a:solidFill>
-                  <a:srgbClr val="000000"/>
-                </a:solidFill>
-              </a:rPr>
-              <a:t>still might be unusual </a:t>
-            </a:r>
-            <a:r>
-              <a:rPr lang="en-US" sz="2800" i="1" dirty="0">
-                <a:solidFill>
-                  <a:srgbClr val="000000"/>
-                </a:solidFill>
-              </a:rPr>
-              <a:t>combinations</a:t>
-            </a:r>
-            <a:r>
-              <a:rPr lang="en-US" sz="2800" dirty="0">
-                <a:solidFill>
-                  <a:srgbClr val="000000"/>
-                </a:solidFill>
-              </a:rPr>
-              <a:t> of values.</a:t>
-            </a:r>
-          </a:p>
-          <a:p>
-            <a:r>
-              <a:rPr lang="en-US" sz="2800" dirty="0" smtClean="0">
-                <a:solidFill>
-                  <a:srgbClr val="000000"/>
-                </a:solidFill>
-              </a:rPr>
-              <a:t>When dealing </a:t>
-            </a:r>
-            <a:r>
-              <a:rPr lang="en-US" sz="2800" dirty="0">
-                <a:solidFill>
-                  <a:srgbClr val="000000"/>
-                </a:solidFill>
-              </a:rPr>
-              <a:t>with </a:t>
-            </a:r>
-            <a:r>
-              <a:rPr lang="en-US" sz="2800" dirty="0" smtClean="0">
-                <a:solidFill>
-                  <a:srgbClr val="000000"/>
-                </a:solidFill>
-              </a:rPr>
-              <a:t>outliers, it </a:t>
-            </a:r>
-            <a:r>
-              <a:rPr lang="en-US" sz="2800" dirty="0">
-                <a:solidFill>
-                  <a:srgbClr val="000000"/>
-                </a:solidFill>
-              </a:rPr>
-              <a:t>is </a:t>
-            </a:r>
-            <a:r>
-              <a:rPr lang="en-US" sz="2800" dirty="0" smtClean="0">
-                <a:solidFill>
-                  <a:srgbClr val="000000"/>
-                </a:solidFill>
-              </a:rPr>
-              <a:t>best to </a:t>
-            </a:r>
-            <a:r>
-              <a:rPr lang="en-US" sz="2800" dirty="0">
-                <a:solidFill>
-                  <a:srgbClr val="000000"/>
-                </a:solidFill>
-              </a:rPr>
-              <a:t>run the analyses two ways: </a:t>
-            </a:r>
-            <a:r>
-              <a:rPr lang="en-US" sz="2800" dirty="0" smtClean="0">
-                <a:solidFill>
-                  <a:srgbClr val="000000"/>
-                </a:solidFill>
-              </a:rPr>
-              <a:t>with </a:t>
-            </a:r>
-            <a:r>
-              <a:rPr lang="en-US" sz="2800" dirty="0">
-                <a:solidFill>
-                  <a:srgbClr val="000000"/>
-                </a:solidFill>
-              </a:rPr>
-              <a:t>the outliers and without them.</a:t>
-            </a:r>
-          </a:p>
-        </p:txBody>
-      </p:sp>
-      <p:sp>
-        <p:nvSpPr>
-          <p:cNvPr id="4" name="Slide Number Placeholder 3"/>
-          <p:cNvSpPr>
-            <a:spLocks noGrp="1"/>
-          </p:cNvSpPr>
-          <p:nvPr>
-            <p:ph type="sldNum" sz="quarter" idx="12"/>
-          </p:nvPr>
-        </p:nvSpPr>
-        <p:spPr/>
-        <p:txBody>
-          <a:bodyPr/>
-          <a:lstStyle/>
-          <a:p>
-            <a:fld id="{F4D4D4FF-0E3E-4E59-B5C3-4C1190DFE5CF}" type="slidenum">
-              <a:rPr lang="en-IE" smtClean="0"/>
-              <a:t>2</a:t>
-            </a:fld>
-            <a:endParaRPr lang="en-IE"/>
-          </a:p>
-        </p:txBody>
-      </p:sp>
-    </p:spTree>
-    <p:extLst>
-      <p:ext uri="{BB962C8B-B14F-4D97-AF65-F5344CB8AC3E}">
-        <p14:creationId xmlns:p14="http://schemas.microsoft.com/office/powerpoint/2010/main" val="3710246999"/>
-      </p:ext>
-    </p:extLst>
-  </p:cSld>
-  <p:clrMapOvr>
-    <a:masterClrMapping/>
-  </p:clrMapOvr>
-  <p:timing>
-    <p:tnLst>
-      <p:par>
-        <p:cTn id="1" dur="indefinite" restart="never" nodeType="tmRoot"/>
-      </p:par>
-    </p:tnLst>
-  </p:timing>
-</p:sld>
-</file>
-
-<file path=ppt/slides/slide20.xml><?xml version="1.0" encoding="utf-8"?>
-<p:sld xmlns:a="http://schemas.openxmlformats.org/drawingml/2006/main" xmlns:r="http://schemas.openxmlformats.org/officeDocument/2006/relationships" xmlns:p="http://schemas.openxmlformats.org/presentationml/2006/main">
-  <p:cSld>
-    <p:spTree>
-      <p:nvGrpSpPr>
-        <p:cNvPr id="1" name=""/>
-        <p:cNvGrpSpPr/>
-        <p:nvPr/>
-      </p:nvGrpSpPr>
-      <p:grpSpPr>
-        <a:xfrm>
-          <a:off x="0" y="0"/>
-          <a:ext cx="0" cy="0"/>
-          <a:chOff x="0" y="0"/>
-          <a:chExt cx="0" cy="0"/>
-        </a:xfrm>
-      </p:grpSpPr>
-      <p:sp>
-        <p:nvSpPr>
-          <p:cNvPr id="2" name="Title 1"/>
-          <p:cNvSpPr>
-            <a:spLocks noGrp="1"/>
-          </p:cNvSpPr>
-          <p:nvPr>
-            <p:ph type="title"/>
-          </p:nvPr>
-        </p:nvSpPr>
-        <p:spPr/>
-        <p:txBody>
-          <a:bodyPr>
-            <a:noAutofit/>
-          </a:bodyPr>
-          <a:lstStyle/>
-          <a:p>
-            <a:r>
-              <a:rPr lang="en-US" sz="3800" dirty="0"/>
-              <a:t>Relationships Among </a:t>
-            </a:r>
-            <a:r>
-              <a:rPr lang="en-US" sz="3800" dirty="0" smtClean="0"/>
-              <a:t>Numerical Variables</a:t>
-            </a:r>
-            <a:endParaRPr lang="en-US" sz="3800" dirty="0"/>
-          </a:p>
-        </p:txBody>
-      </p:sp>
-      <p:sp>
-        <p:nvSpPr>
-          <p:cNvPr id="3" name="Content Placeholder 2"/>
-          <p:cNvSpPr>
-            <a:spLocks noGrp="1"/>
-          </p:cNvSpPr>
-          <p:nvPr>
-            <p:ph sz="quarter" idx="1"/>
-          </p:nvPr>
-        </p:nvSpPr>
-        <p:spPr/>
-        <p:txBody>
-          <a:bodyPr>
-            <a:normAutofit/>
-          </a:bodyPr>
-          <a:lstStyle/>
-          <a:p>
-            <a:r>
-              <a:rPr lang="en-US" dirty="0" smtClean="0">
-                <a:solidFill>
-                  <a:srgbClr val="000000"/>
-                </a:solidFill>
-              </a:rPr>
-              <a:t>To study relationships among numerical variables, a new type of chart, called a scatterplot, and two new summary measures, correlation and covariance, are used.</a:t>
-            </a:r>
-          </a:p>
-          <a:p>
-            <a:r>
-              <a:rPr lang="en-US" dirty="0" smtClean="0">
-                <a:solidFill>
-                  <a:srgbClr val="000000"/>
-                </a:solidFill>
-              </a:rPr>
-              <a:t>These measures </a:t>
-            </a:r>
-            <a:r>
-              <a:rPr lang="en-US" dirty="0">
-                <a:solidFill>
-                  <a:srgbClr val="000000"/>
-                </a:solidFill>
-              </a:rPr>
-              <a:t>can be applied to any variables that are displayed numerically.</a:t>
-            </a:r>
-          </a:p>
-          <a:p>
-            <a:r>
-              <a:rPr lang="en-US" dirty="0">
-                <a:solidFill>
-                  <a:srgbClr val="000000"/>
-                </a:solidFill>
-              </a:rPr>
-              <a:t>However, they are appropriate only for truly numerical variables, not for categorical variables that have been coded numerically</a:t>
-            </a:r>
-            <a:r>
-              <a:rPr lang="en-US" dirty="0" smtClean="0">
-                <a:solidFill>
-                  <a:srgbClr val="000000"/>
-                </a:solidFill>
-              </a:rPr>
-              <a:t>.</a:t>
-            </a:r>
-          </a:p>
-        </p:txBody>
-      </p:sp>
-      <p:sp>
-        <p:nvSpPr>
-          <p:cNvPr id="4" name="Slide Number Placeholder 3"/>
-          <p:cNvSpPr>
-            <a:spLocks noGrp="1"/>
-          </p:cNvSpPr>
-          <p:nvPr>
-            <p:ph type="sldNum" sz="quarter" idx="12"/>
-          </p:nvPr>
-        </p:nvSpPr>
-        <p:spPr/>
-        <p:txBody>
-          <a:bodyPr/>
-          <a:lstStyle/>
-          <a:p>
-            <a:fld id="{F4D4D4FF-0E3E-4E59-B5C3-4C1190DFE5CF}" type="slidenum">
-              <a:rPr lang="en-IE" smtClean="0"/>
-              <a:t>20</a:t>
-            </a:fld>
-            <a:endParaRPr lang="en-IE"/>
-          </a:p>
-        </p:txBody>
-      </p:sp>
-    </p:spTree>
-    <p:extLst>
-      <p:ext uri="{BB962C8B-B14F-4D97-AF65-F5344CB8AC3E}">
-        <p14:creationId xmlns:p14="http://schemas.microsoft.com/office/powerpoint/2010/main" val="438976865"/>
-      </p:ext>
-    </p:extLst>
-  </p:cSld>
-  <p:clrMapOvr>
-    <a:masterClrMapping/>
-  </p:clrMapOvr>
-  <p:timing>
-    <p:tnLst>
-      <p:par>
-        <p:cTn id="1" dur="indefinite" restart="never" nodeType="tmRoot"/>
-      </p:par>
-    </p:tnLst>
-  </p:timing>
-</p:sld>
-</file>
-
-<file path=ppt/slides/slide21.xml><?xml version="1.0" encoding="utf-8"?>
-<p:sld xmlns:a="http://schemas.openxmlformats.org/drawingml/2006/main" xmlns:r="http://schemas.openxmlformats.org/officeDocument/2006/relationships" xmlns:p="http://schemas.openxmlformats.org/presentationml/2006/main">
-  <p:cSld>
-    <p:spTree>
-      <p:nvGrpSpPr>
-        <p:cNvPr id="1" name=""/>
-        <p:cNvGrpSpPr/>
-        <p:nvPr/>
-      </p:nvGrpSpPr>
-      <p:grpSpPr>
-        <a:xfrm>
-          <a:off x="0" y="0"/>
-          <a:ext cx="0" cy="0"/>
-          <a:chOff x="0" y="0"/>
-          <a:chExt cx="0" cy="0"/>
-        </a:xfrm>
-      </p:grpSpPr>
-      <p:sp>
-        <p:nvSpPr>
-          <p:cNvPr id="2" name="Title 1"/>
-          <p:cNvSpPr>
-            <a:spLocks noGrp="1"/>
-          </p:cNvSpPr>
-          <p:nvPr>
-            <p:ph type="title"/>
-          </p:nvPr>
-        </p:nvSpPr>
-        <p:spPr/>
-        <p:txBody>
-          <a:bodyPr/>
-          <a:lstStyle/>
-          <a:p>
-            <a:r>
-              <a:rPr lang="en-US" dirty="0" smtClean="0"/>
-              <a:t>Scatterplots</a:t>
-            </a:r>
-            <a:endParaRPr lang="en-US" dirty="0"/>
-          </a:p>
-        </p:txBody>
-      </p:sp>
-      <p:sp>
-        <p:nvSpPr>
-          <p:cNvPr id="3" name="Content Placeholder 2"/>
-          <p:cNvSpPr>
-            <a:spLocks noGrp="1"/>
-          </p:cNvSpPr>
-          <p:nvPr>
-            <p:ph sz="quarter" idx="1"/>
-          </p:nvPr>
-        </p:nvSpPr>
-        <p:spPr/>
-        <p:txBody>
-          <a:bodyPr/>
-          <a:lstStyle/>
-          <a:p>
-            <a:r>
-              <a:rPr lang="en-US" dirty="0" smtClean="0">
-                <a:solidFill>
-                  <a:srgbClr val="000000"/>
-                </a:solidFill>
-              </a:rPr>
-              <a:t>A </a:t>
-            </a:r>
-            <a:r>
-              <a:rPr lang="en-US" b="1" dirty="0">
-                <a:solidFill>
-                  <a:schemeClr val="tx2"/>
-                </a:solidFill>
-              </a:rPr>
-              <a:t>scatterplot</a:t>
-            </a:r>
-            <a:r>
-              <a:rPr lang="en-US" dirty="0">
-                <a:solidFill>
-                  <a:srgbClr val="000000"/>
-                </a:solidFill>
-              </a:rPr>
-              <a:t> is a scatter of points, where each point denotes the values of an observation for two selected variables</a:t>
-            </a:r>
-            <a:r>
-              <a:rPr lang="en-US" dirty="0" smtClean="0">
-                <a:solidFill>
-                  <a:srgbClr val="000000"/>
-                </a:solidFill>
-              </a:rPr>
-              <a:t>.</a:t>
-            </a:r>
-          </a:p>
-          <a:p>
-            <a:pPr lvl="1"/>
-            <a:r>
-              <a:rPr lang="en-US" dirty="0" smtClean="0">
-                <a:solidFill>
-                  <a:srgbClr val="000000"/>
-                </a:solidFill>
-              </a:rPr>
-              <a:t>It is a graphical method for detecting relationships between two numerical variables.</a:t>
-            </a:r>
-          </a:p>
-          <a:p>
-            <a:pPr lvl="1"/>
-            <a:r>
-              <a:rPr lang="en-US" dirty="0" smtClean="0">
-                <a:solidFill>
-                  <a:srgbClr val="000000"/>
-                </a:solidFill>
-              </a:rPr>
-              <a:t>The two variables are often labeled generically as </a:t>
-            </a:r>
-            <a:r>
-              <a:rPr lang="en-US" i="1" dirty="0" smtClean="0">
-                <a:solidFill>
-                  <a:srgbClr val="000000"/>
-                </a:solidFill>
-              </a:rPr>
-              <a:t>X </a:t>
-            </a:r>
-            <a:r>
-              <a:rPr lang="en-US" dirty="0" smtClean="0">
-                <a:solidFill>
-                  <a:srgbClr val="000000"/>
-                </a:solidFill>
-              </a:rPr>
-              <a:t>and </a:t>
-            </a:r>
-            <a:r>
-              <a:rPr lang="en-US" i="1" dirty="0" smtClean="0">
-                <a:solidFill>
-                  <a:srgbClr val="000000"/>
-                </a:solidFill>
-              </a:rPr>
-              <a:t>Y</a:t>
-            </a:r>
-            <a:r>
-              <a:rPr lang="en-US" dirty="0" smtClean="0">
-                <a:solidFill>
-                  <a:srgbClr val="000000"/>
-                </a:solidFill>
-              </a:rPr>
-              <a:t>, so a scatterplot is sometimes called an </a:t>
-            </a:r>
-            <a:r>
-              <a:rPr lang="en-US" b="1" dirty="0" smtClean="0">
-                <a:solidFill>
-                  <a:srgbClr val="04617B"/>
-                </a:solidFill>
-              </a:rPr>
-              <a:t>X-Y chart</a:t>
-            </a:r>
-            <a:r>
-              <a:rPr lang="en-US" dirty="0" smtClean="0">
-                <a:solidFill>
-                  <a:srgbClr val="000000"/>
-                </a:solidFill>
-              </a:rPr>
-              <a:t>.</a:t>
-            </a:r>
-          </a:p>
-          <a:p>
-            <a:pPr lvl="1"/>
-            <a:r>
-              <a:rPr lang="en-US" dirty="0" smtClean="0">
-                <a:solidFill>
-                  <a:srgbClr val="000000"/>
-                </a:solidFill>
-              </a:rPr>
-              <a:t>The purpose of a scatterplot is to make a relationship (or the lack of it) apparent.</a:t>
-            </a:r>
-            <a:endParaRPr lang="en-US" dirty="0">
-              <a:solidFill>
-                <a:srgbClr val="000000"/>
-              </a:solidFill>
-            </a:endParaRPr>
-          </a:p>
-          <a:p>
-            <a:endParaRPr lang="en-US" dirty="0"/>
-          </a:p>
-        </p:txBody>
-      </p:sp>
-      <p:sp>
-        <p:nvSpPr>
-          <p:cNvPr id="4" name="Slide Number Placeholder 3"/>
-          <p:cNvSpPr>
-            <a:spLocks noGrp="1"/>
-          </p:cNvSpPr>
-          <p:nvPr>
-            <p:ph type="sldNum" sz="quarter" idx="12"/>
-          </p:nvPr>
-        </p:nvSpPr>
-        <p:spPr/>
-        <p:txBody>
-          <a:bodyPr/>
-          <a:lstStyle/>
-          <a:p>
-            <a:fld id="{F4D4D4FF-0E3E-4E59-B5C3-4C1190DFE5CF}" type="slidenum">
-              <a:rPr lang="en-IE" smtClean="0"/>
-              <a:t>21</a:t>
-            </a:fld>
-            <a:endParaRPr lang="en-IE"/>
-          </a:p>
-        </p:txBody>
-      </p:sp>
-    </p:spTree>
-    <p:extLst>
-      <p:ext uri="{BB962C8B-B14F-4D97-AF65-F5344CB8AC3E}">
-        <p14:creationId xmlns:p14="http://schemas.microsoft.com/office/powerpoint/2010/main" val="2758691757"/>
-      </p:ext>
-    </p:extLst>
-  </p:cSld>
-  <p:clrMapOvr>
-    <a:masterClrMapping/>
-  </p:clrMapOvr>
-  <p:timing>
-    <p:tnLst>
-      <p:par>
-        <p:cTn id="1" dur="indefinite" restart="never" nodeType="tmRoot"/>
-      </p:par>
-    </p:tnLst>
-  </p:timing>
-</p:sld>
-</file>
-
-<file path=ppt/slides/slide22.xml><?xml version="1.0" encoding="utf-8"?>
-<p:sld xmlns:a="http://schemas.openxmlformats.org/drawingml/2006/main" xmlns:r="http://schemas.openxmlformats.org/officeDocument/2006/relationships" xmlns:p="http://schemas.openxmlformats.org/presentationml/2006/main">
-  <p:cSld>
-    <p:spTree>
-      <p:nvGrpSpPr>
-        <p:cNvPr id="1" name=""/>
-        <p:cNvGrpSpPr/>
-        <p:nvPr/>
-      </p:nvGrpSpPr>
-      <p:grpSpPr>
-        <a:xfrm>
-          <a:off x="0" y="0"/>
-          <a:ext cx="0" cy="0"/>
-          <a:chOff x="0" y="0"/>
-          <a:chExt cx="0" cy="0"/>
-        </a:xfrm>
-      </p:grpSpPr>
-      <p:sp>
-        <p:nvSpPr>
-          <p:cNvPr id="2" name="Title 1"/>
-          <p:cNvSpPr>
-            <a:spLocks noGrp="1"/>
-          </p:cNvSpPr>
-          <p:nvPr>
-            <p:ph type="title"/>
-          </p:nvPr>
-        </p:nvSpPr>
-        <p:spPr/>
-        <p:txBody>
           <a:bodyPr>
             <a:normAutofit/>
           </a:bodyPr>
@@ -9280,13 +7968,18 @@
               <a:t>Using </a:t>
             </a:r>
             <a:r>
-              <a:rPr lang="en-US" dirty="0" err="1" smtClean="0"/>
-              <a:t>PhStat</a:t>
-            </a:r>
-            <a:r>
               <a:rPr lang="en-US" dirty="0" smtClean="0"/>
-              <a:t> you can create a scatterplot for two variables such as Age and Events</a:t>
-            </a:r>
+              <a:t>Excel </a:t>
+            </a:r>
+            <a:r>
+              <a:rPr lang="en-US" dirty="0" smtClean="0"/>
+              <a:t>you can create a scatterplot for two variables such as Age and </a:t>
+            </a:r>
+            <a:r>
+              <a:rPr lang="en-US" dirty="0" smtClean="0"/>
+              <a:t>Events, or Age and Earnings.</a:t>
+            </a:r>
+            <a:endParaRPr lang="en-US" dirty="0" smtClean="0"/>
           </a:p>
         </p:txBody>
       </p:sp>
@@ -9334,7 +8027,7 @@
 </p:sld>
 </file>
 
-<file path=ppt/slides/slide23.xml><?xml version="1.0" encoding="utf-8"?>
+<file path=ppt/slides/slide18.xml><?xml version="1.0" encoding="utf-8"?>
 <p:sld xmlns:a="http://schemas.openxmlformats.org/drawingml/2006/main" xmlns:r="http://schemas.openxmlformats.org/officeDocument/2006/relationships" xmlns:p="http://schemas.openxmlformats.org/presentationml/2006/main">
   <p:cSld>
     <p:spTree>
@@ -9432,7 +8125,7 @@
 </p:sld>
 </file>
 
-<file path=ppt/slides/slide24.xml><?xml version="1.0" encoding="utf-8"?>
+<file path=ppt/slides/slide19.xml><?xml version="1.0" encoding="utf-8"?>
 <p:sld xmlns:a="http://schemas.openxmlformats.org/drawingml/2006/main" xmlns:r="http://schemas.openxmlformats.org/officeDocument/2006/relationships" xmlns:p="http://schemas.openxmlformats.org/presentationml/2006/main">
   <p:cSld>
     <p:spTree>
@@ -9541,7 +8234,11 @@
             </a:r>
             <a:r>
               <a:rPr lang="en-US" dirty="0" smtClean="0"/>
-              <a:t> and choose the appropriate one.</a:t>
+              <a:t> and choose the appropriate one</a:t>
+            </a:r>
+            <a:r>
+              <a:rPr lang="en-US" dirty="0" smtClean="0"/>
+              <a:t>. (in Excel 2013 on the design tab choose Add Chart Element).</a:t>
             </a:r>
             <a:endParaRPr lang="en-US" dirty="0"/>
           </a:p>
@@ -9564,7 +8261,7 @@
           <a:p>
             <a:fld id="{F4D4D4FF-0E3E-4E59-B5C3-4C1190DFE5CF}" type="slidenum">
               <a:rPr lang="en-IE" smtClean="0"/>
-              <a:t>24</a:t>
+              <a:t>19</a:t>
             </a:fld>
             <a:endParaRPr lang="en-IE"/>
           </a:p>
@@ -9590,7 +8287,285 @@
 </p:sld>
 </file>
 
-<file path=ppt/slides/slide25.xml><?xml version="1.0" encoding="utf-8"?>
+<file path=ppt/slides/slide2.xml><?xml version="1.0" encoding="utf-8"?>
+<p:sld xmlns:a="http://schemas.openxmlformats.org/drawingml/2006/main" xmlns:r="http://schemas.openxmlformats.org/officeDocument/2006/relationships" xmlns:p="http://schemas.openxmlformats.org/presentationml/2006/main">
+  <p:cSld>
+    <p:spTree>
+      <p:nvGrpSpPr>
+        <p:cNvPr id="1" name=""/>
+        <p:cNvGrpSpPr/>
+        <p:nvPr/>
+      </p:nvGrpSpPr>
+      <p:grpSpPr>
+        <a:xfrm>
+          <a:off x="0" y="0"/>
+          <a:ext cx="0" cy="0"/>
+          <a:chOff x="0" y="0"/>
+          <a:chExt cx="0" cy="0"/>
+        </a:xfrm>
+      </p:grpSpPr>
+      <p:sp>
+        <p:nvSpPr>
+          <p:cNvPr id="2" name="Title 1"/>
+          <p:cNvSpPr>
+            <a:spLocks noGrp="1"/>
+          </p:cNvSpPr>
+          <p:nvPr>
+            <p:ph type="title"/>
+          </p:nvPr>
+        </p:nvSpPr>
+        <p:spPr/>
+        <p:txBody>
+          <a:bodyPr/>
+          <a:lstStyle/>
+          <a:p>
+            <a:r>
+              <a:rPr lang="en-US" dirty="0" smtClean="0"/>
+              <a:t>Outliers</a:t>
+            </a:r>
+            <a:endParaRPr lang="en-US" dirty="0"/>
+          </a:p>
+        </p:txBody>
+      </p:sp>
+      <p:sp>
+        <p:nvSpPr>
+          <p:cNvPr id="3" name="Content Placeholder 2"/>
+          <p:cNvSpPr>
+            <a:spLocks noGrp="1"/>
+          </p:cNvSpPr>
+          <p:nvPr>
+            <p:ph sz="quarter" idx="1"/>
+          </p:nvPr>
+        </p:nvSpPr>
+        <p:spPr/>
+        <p:txBody>
+          <a:bodyPr>
+            <a:normAutofit/>
+          </a:bodyPr>
+          <a:lstStyle/>
+          <a:p>
+            <a:r>
+              <a:rPr lang="en-US" sz="2800" dirty="0">
+                <a:solidFill>
+                  <a:srgbClr val="000000"/>
+                </a:solidFill>
+              </a:rPr>
+              <a:t>An </a:t>
+            </a:r>
+            <a:r>
+              <a:rPr lang="en-US" sz="2800" b="1" dirty="0">
+                <a:solidFill>
+                  <a:srgbClr val="04617B"/>
+                </a:solidFill>
+              </a:rPr>
+              <a:t>outlier</a:t>
+            </a:r>
+            <a:r>
+              <a:rPr lang="en-US" sz="2800" dirty="0">
+                <a:solidFill>
+                  <a:srgbClr val="000000"/>
+                </a:solidFill>
+              </a:rPr>
+              <a:t> is </a:t>
+            </a:r>
+            <a:r>
+              <a:rPr lang="en-US" sz="2800" dirty="0" smtClean="0">
+                <a:solidFill>
+                  <a:srgbClr val="000000"/>
+                </a:solidFill>
+              </a:rPr>
+              <a:t>a </a:t>
+            </a:r>
+            <a:r>
+              <a:rPr lang="en-US" sz="2800" dirty="0">
+                <a:solidFill>
+                  <a:srgbClr val="000000"/>
+                </a:solidFill>
+              </a:rPr>
+              <a:t>value or an entire </a:t>
+            </a:r>
+            <a:r>
+              <a:rPr lang="en-US" sz="2800" dirty="0" smtClean="0">
+                <a:solidFill>
+                  <a:srgbClr val="000000"/>
+                </a:solidFill>
+              </a:rPr>
+              <a:t>observation (row) </a:t>
+            </a:r>
+            <a:r>
+              <a:rPr lang="en-US" sz="2800" dirty="0">
+                <a:solidFill>
+                  <a:srgbClr val="000000"/>
+                </a:solidFill>
+              </a:rPr>
+              <a:t>that lies well outside of the norm.</a:t>
+            </a:r>
+          </a:p>
+          <a:p>
+            <a:pPr lvl="1"/>
+            <a:r>
+              <a:rPr lang="en-US" sz="2800" dirty="0" smtClean="0">
+                <a:solidFill>
+                  <a:srgbClr val="000000"/>
+                </a:solidFill>
+              </a:rPr>
+              <a:t>Some statisticians define </a:t>
+            </a:r>
+            <a:r>
+              <a:rPr lang="en-US" sz="2800" dirty="0">
+                <a:solidFill>
+                  <a:srgbClr val="000000"/>
+                </a:solidFill>
+              </a:rPr>
+              <a:t>an outlier as any value more than three standard deviations from the mean, but this is only a rule of thumb.</a:t>
+            </a:r>
+          </a:p>
+          <a:p>
+            <a:r>
+              <a:rPr lang="en-US" sz="2800" dirty="0" smtClean="0">
+                <a:solidFill>
+                  <a:srgbClr val="000000"/>
+                </a:solidFill>
+              </a:rPr>
+              <a:t>Even if values are not unusual by themselves, there </a:t>
+            </a:r>
+            <a:r>
+              <a:rPr lang="en-US" sz="2800" dirty="0">
+                <a:solidFill>
+                  <a:srgbClr val="000000"/>
+                </a:solidFill>
+              </a:rPr>
+              <a:t>still might be unusual </a:t>
+            </a:r>
+            <a:r>
+              <a:rPr lang="en-US" sz="2800" i="1" dirty="0">
+                <a:solidFill>
+                  <a:srgbClr val="000000"/>
+                </a:solidFill>
+              </a:rPr>
+              <a:t>combinations</a:t>
+            </a:r>
+            <a:r>
+              <a:rPr lang="en-US" sz="2800" dirty="0">
+                <a:solidFill>
+                  <a:srgbClr val="000000"/>
+                </a:solidFill>
+              </a:rPr>
+              <a:t> of values.</a:t>
+            </a:r>
+          </a:p>
+          <a:p>
+            <a:r>
+              <a:rPr lang="en-US" sz="2800" dirty="0" smtClean="0">
+                <a:solidFill>
+                  <a:srgbClr val="000000"/>
+                </a:solidFill>
+              </a:rPr>
+              <a:t>When dealing </a:t>
+            </a:r>
+            <a:r>
+              <a:rPr lang="en-US" sz="2800" dirty="0">
+                <a:solidFill>
+                  <a:srgbClr val="000000"/>
+                </a:solidFill>
+              </a:rPr>
+              <a:t>with </a:t>
+            </a:r>
+            <a:r>
+              <a:rPr lang="en-US" sz="2800" dirty="0" smtClean="0">
+                <a:solidFill>
+                  <a:srgbClr val="000000"/>
+                </a:solidFill>
+              </a:rPr>
+              <a:t>outliers, it </a:t>
+            </a:r>
+            <a:r>
+              <a:rPr lang="en-US" sz="2800" dirty="0">
+                <a:solidFill>
+                  <a:srgbClr val="000000"/>
+                </a:solidFill>
+              </a:rPr>
+              <a:t>is </a:t>
+            </a:r>
+            <a:r>
+              <a:rPr lang="en-US" sz="2800" dirty="0" smtClean="0">
+                <a:solidFill>
+                  <a:srgbClr val="000000"/>
+                </a:solidFill>
+              </a:rPr>
+              <a:t>best to </a:t>
+            </a:r>
+            <a:r>
+              <a:rPr lang="en-US" sz="2800" dirty="0">
+                <a:solidFill>
+                  <a:srgbClr val="000000"/>
+                </a:solidFill>
+              </a:rPr>
+              <a:t>run the analyses two ways: </a:t>
+            </a:r>
+            <a:r>
+              <a:rPr lang="en-US" sz="2800" dirty="0" smtClean="0">
+                <a:solidFill>
+                  <a:srgbClr val="000000"/>
+                </a:solidFill>
+              </a:rPr>
+              <a:t>with </a:t>
+            </a:r>
+            <a:r>
+              <a:rPr lang="en-US" sz="2800" dirty="0">
+                <a:solidFill>
+                  <a:srgbClr val="000000"/>
+                </a:solidFill>
+              </a:rPr>
+              <a:t>the outliers and without them.</a:t>
+            </a:r>
+          </a:p>
+        </p:txBody>
+      </p:sp>
+      <p:sp>
+        <p:nvSpPr>
+          <p:cNvPr id="4" name="Slide Number Placeholder 3"/>
+          <p:cNvSpPr>
+            <a:spLocks noGrp="1"/>
+          </p:cNvSpPr>
+          <p:nvPr>
+            <p:ph type="sldNum" sz="quarter" idx="12"/>
+          </p:nvPr>
+        </p:nvSpPr>
+        <p:spPr/>
+        <p:txBody>
+          <a:bodyPr/>
+          <a:lstStyle/>
+          <a:p>
+            <a:fld id="{F4D4D4FF-0E3E-4E59-B5C3-4C1190DFE5CF}" type="slidenum">
+              <a:rPr lang="en-IE" smtClean="0"/>
+              <a:t>2</a:t>
+            </a:fld>
+            <a:endParaRPr lang="en-IE"/>
+          </a:p>
+        </p:txBody>
+      </p:sp>
+    </p:spTree>
+    <p:extLst>
+      <p:ext uri="{BB962C8B-B14F-4D97-AF65-F5344CB8AC3E}">
+        <p14:creationId xmlns:p14="http://schemas.microsoft.com/office/powerpoint/2010/main" val="3710246999"/>
+      </p:ext>
+    </p:extLst>
+  </p:cSld>
+  <p:clrMapOvr>
+    <a:masterClrMapping/>
+  </p:clrMapOvr>
+  <p:timing>
+    <p:tnLst>
+      <p:par>
+        <p:cTn id="1" dur="indefinite" restart="never" nodeType="tmRoot"/>
+      </p:par>
+    </p:tnLst>
+  </p:timing>
+</p:sld>
+</file>
+
+<file path=ppt/slides/slide20.xml><?xml version="1.0" encoding="utf-8"?>
 <p:sld xmlns:a="http://schemas.openxmlformats.org/drawingml/2006/main" xmlns:r="http://schemas.openxmlformats.org/officeDocument/2006/relationships" xmlns:p="http://schemas.openxmlformats.org/presentationml/2006/main">
   <p:cSld>
     <p:spTree>
@@ -9672,7 +8647,7 @@
           <a:p>
             <a:fld id="{F4D4D4FF-0E3E-4E59-B5C3-4C1190DFE5CF}" type="slidenum">
               <a:rPr lang="en-IE" smtClean="0"/>
-              <a:t>25</a:t>
+              <a:t>20</a:t>
             </a:fld>
             <a:endParaRPr lang="en-IE"/>
           </a:p>
@@ -9698,7 +8673,7 @@
 </p:sld>
 </file>
 
-<file path=ppt/slides/slide26.xml><?xml version="1.0" encoding="utf-8"?>
+<file path=ppt/slides/slide21.xml><?xml version="1.0" encoding="utf-8"?>
 <p:sld xmlns:a="http://schemas.openxmlformats.org/drawingml/2006/main" xmlns:r="http://schemas.openxmlformats.org/officeDocument/2006/relationships" xmlns:p="http://schemas.openxmlformats.org/presentationml/2006/main">
   <p:cSld>
     <p:spTree>
@@ -9880,7 +8855,7 @@
           <a:p>
             <a:fld id="{F4D4D4FF-0E3E-4E59-B5C3-4C1190DFE5CF}" type="slidenum">
               <a:rPr lang="en-IE" smtClean="0"/>
-              <a:t>26</a:t>
+              <a:t>21</a:t>
             </a:fld>
             <a:endParaRPr lang="en-IE"/>
           </a:p>
@@ -9906,7 +8881,7 @@
 </p:sld>
 </file>
 
-<file path=ppt/slides/slide27.xml><?xml version="1.0" encoding="utf-8"?>
+<file path=ppt/slides/slide22.xml><?xml version="1.0" encoding="utf-8"?>
 <p:sld xmlns:a="http://schemas.openxmlformats.org/drawingml/2006/main" xmlns:r="http://schemas.openxmlformats.org/officeDocument/2006/relationships" xmlns:p="http://schemas.openxmlformats.org/presentationml/2006/main">
   <p:cSld>
     <p:spTree>
@@ -10006,16 +8981,13 @@
             </a:r>
             <a:r>
               <a:rPr lang="en-US" dirty="0" smtClean="0"/>
-              <a:t> function, and </a:t>
-            </a:r>
-            <a:r>
-              <a:rPr lang="en-US" dirty="0" err="1" smtClean="0"/>
-              <a:t>PhStat</a:t>
+              <a:t> </a:t>
             </a:r>
             <a:r>
               <a:rPr lang="en-US" dirty="0" smtClean="0"/>
-              <a:t> also calculates covariances automatically.</a:t>
-            </a:r>
+              <a:t>function</a:t>
+            </a:r>
+            <a:endParaRPr lang="en-US" dirty="0" smtClean="0"/>
           </a:p>
           <a:p>
             <a:r>
@@ -10093,7 +9065,7 @@
           <a:p>
             <a:fld id="{F4D4D4FF-0E3E-4E59-B5C3-4C1190DFE5CF}" type="slidenum">
               <a:rPr lang="en-IE" smtClean="0"/>
-              <a:t>27</a:t>
+              <a:t>22</a:t>
             </a:fld>
             <a:endParaRPr lang="en-IE"/>
           </a:p>
@@ -10119,7 +9091,7 @@
 </p:sld>
 </file>
 
-<file path=ppt/slides/slide28.xml><?xml version="1.0" encoding="utf-8"?>
+<file path=ppt/slides/slide23.xml><?xml version="1.0" encoding="utf-8"?>
 <p:sld xmlns:a="http://schemas.openxmlformats.org/drawingml/2006/main" xmlns:r="http://schemas.openxmlformats.org/officeDocument/2006/relationships" xmlns:p="http://schemas.openxmlformats.org/presentationml/2006/main">
   <p:cSld>
     <p:spTree>
@@ -10304,7 +9276,7 @@
           <a:p>
             <a:fld id="{F4D4D4FF-0E3E-4E59-B5C3-4C1190DFE5CF}" type="slidenum">
               <a:rPr lang="en-IE" smtClean="0"/>
-              <a:t>28</a:t>
+              <a:t>23</a:t>
             </a:fld>
             <a:endParaRPr lang="en-IE"/>
           </a:p>
@@ -10330,7 +9302,7 @@
 </p:sld>
 </file>
 
-<file path=ppt/slides/slide29.xml><?xml version="1.0" encoding="utf-8"?>
+<file path=ppt/slides/slide24.xml><?xml version="1.0" encoding="utf-8"?>
 <p:sld xmlns:a="http://schemas.openxmlformats.org/drawingml/2006/main" xmlns:r="http://schemas.openxmlformats.org/officeDocument/2006/relationships" xmlns:p="http://schemas.openxmlformats.org/presentationml/2006/main">
   <p:cSld>
     <p:spTree>
@@ -10360,7 +9332,7 @@
         <p:spPr/>
         <p:txBody>
           <a:bodyPr>
-            <a:normAutofit fontScale="90000"/>
+            <a:normAutofit/>
           </a:bodyPr>
           <a:lstStyle/>
           <a:p>
@@ -10480,7 +9452,7 @@
           <a:p>
             <a:fld id="{F4D4D4FF-0E3E-4E59-B5C3-4C1190DFE5CF}" type="slidenum">
               <a:rPr lang="en-IE" smtClean="0"/>
-              <a:t>29</a:t>
+              <a:t>24</a:t>
             </a:fld>
             <a:endParaRPr lang="en-IE"/>
           </a:p>
@@ -10691,20 +9663,12 @@
               <a:t>the average of </a:t>
             </a:r>
             <a:r>
-              <a:rPr lang="en-US" sz="2400" dirty="0" err="1" smtClean="0">
+              <a:rPr lang="en-US" sz="2400" dirty="0" smtClean="0">
                 <a:solidFill>
                   <a:srgbClr val="000000"/>
                 </a:solidFill>
               </a:rPr>
-              <a:t>nonmissing</a:t>
-            </a:r>
-            <a:r>
-              <a:rPr lang="en-US" sz="2400" dirty="0" smtClean="0">
-                <a:solidFill>
-                  <a:srgbClr val="000000"/>
-                </a:solidFill>
-              </a:rPr>
-              <a:t> </a:t>
+              <a:t>non missing </a:t>
             </a:r>
             <a:r>
               <a:rPr lang="en-US" sz="2400" dirty="0" smtClean="0">
@@ -12196,7 +11160,7 @@
   <a:extraClrSchemeLst/>
   <a:extLst>
     <a:ext uri="{05A4C25C-085E-4340-85A3-A5531E510DB2}">
-      <thm15:themeFamily xmlns="" xmlns:thm15="http://schemas.microsoft.com/office/thememl/2012/main" name="analytic" id="{9A28554E-78CD-4F85-AE53-59AAB432ED69}" vid="{CA8F7F4E-8027-487E-91E4-E9646DCEB1B6}"/>
+      <thm15:themeFamily xmlns:thm15="http://schemas.microsoft.com/office/thememl/2012/main" name="analytic" id="{9A28554E-78CD-4F85-AE53-59AAB432ED69}" vid="{CA8F7F4E-8027-487E-91E4-E9646DCEB1B6}"/>
     </a:ext>
   </a:extLst>
 </a:theme>
@@ -12457,7 +11421,7 @@
   <a:extraClrSchemeLst/>
   <a:extLst>
     <a:ext uri="{05A4C25C-085E-4340-85A3-A5531E510DB2}">
-      <thm15:themeFamily xmlns="" xmlns:thm15="http://schemas.microsoft.com/office/thememl/2012/main" name="Office Theme" id="{62F939B6-93AF-4DB8-9C6B-D6C7DFDC589F}" vid="{4A3C46E8-61CC-4603-A589-7422A47A8E4A}"/>
+      <thm15:themeFamily xmlns:thm15="http://schemas.microsoft.com/office/thememl/2012/main" name="Office Theme" id="{62F939B6-93AF-4DB8-9C6B-D6C7DFDC589F}" vid="{4A3C46E8-61CC-4603-A589-7422A47A8E4A}"/>
     </a:ext>
   </a:extLst>
 </a:theme>
